--- a/tadaa/data/pptx/SEOC Tech Audit Template.pptx
+++ b/tadaa/data/pptx/SEOC Tech Audit Template.pptx
@@ -44,31 +44,31 @@
   <p:notesSz cx="6858000" cy="9144000"/>
   <p:embeddedFontLst>
     <p:embeddedFont>
-      <p:font typeface="Muli" pitchFamily="2" charset="77"/>
+      <p:font typeface="Muli" panose="020B0604020202020204" charset="0"/>
       <p:regular r:id="rId37"/>
       <p:bold r:id="rId38"/>
       <p:italic r:id="rId39"/>
       <p:boldItalic r:id="rId40"/>
     </p:embeddedFont>
     <p:embeddedFont>
-      <p:font typeface="Muli Black" pitchFamily="2" charset="77"/>
+      <p:font typeface="Muli Black" panose="020B0604020202020204" charset="0"/>
       <p:bold r:id="rId41"/>
       <p:italic r:id="rId42"/>
       <p:boldItalic r:id="rId43"/>
     </p:embeddedFont>
     <p:embeddedFont>
-      <p:font typeface="Muli ExtraBold" pitchFamily="2" charset="77"/>
+      <p:font typeface="Muli ExtraBold" panose="020B0604020202020204" charset="0"/>
       <p:bold r:id="rId44"/>
       <p:italic r:id="rId45"/>
       <p:boldItalic r:id="rId46"/>
     </p:embeddedFont>
     <p:embeddedFont>
-      <p:font typeface="Muli Light" pitchFamily="2" charset="77"/>
+      <p:font typeface="Muli Light" panose="020B0604020202020204" charset="0"/>
       <p:regular r:id="rId47"/>
       <p:italic r:id="rId48"/>
     </p:embeddedFont>
     <p:embeddedFont>
-      <p:font typeface="Nunito Sans" pitchFamily="2" charset="77"/>
+      <p:font typeface="Nunito Sans" pitchFamily="2" charset="0"/>
       <p:regular r:id="rId49"/>
       <p:bold r:id="rId50"/>
       <p:italic r:id="rId51"/>
@@ -42446,7 +42446,7 @@
       </p:sp>
       <p:sp>
         <p:nvSpPr>
-          <p:cNvPr id="7" name="Google Shape;174;p23">
+          <p:cNvPr id="7" name="executive_summary">
             <a:extLst>
               <a:ext uri="{FF2B5EF4-FFF2-40B4-BE49-F238E27FC236}">
                 <a16:creationId xmlns:a16="http://schemas.microsoft.com/office/drawing/2014/main" id="{338AA1C5-F737-5CAE-5767-BDACDBA541D6}"/>
@@ -47600,15 +47600,6 @@
 </file>
 
 <file path=customXml/item1.xml><?xml version="1.0" encoding="utf-8"?>
-<?mso-contentType ?>
-<FormTemplates xmlns="http://schemas.microsoft.com/sharepoint/v3/contenttype/forms">
-  <Display>DocumentLibraryForm</Display>
-  <Edit>DocumentLibraryForm</Edit>
-  <New>DocumentLibraryForm</New>
-</FormTemplates>
-</file>
-
-<file path=customXml/item2.xml><?xml version="1.0" encoding="utf-8"?>
 <ct:contentTypeSchema xmlns:ct="http://schemas.microsoft.com/office/2006/metadata/contentType" xmlns:ma="http://schemas.microsoft.com/office/2006/metadata/properties/metaAttributes" ct:_="" ma:_="" ma:contentTypeName="Document" ma:contentTypeID="0x0101006F42CB86DD2FB643A57982D398014C60" ma:contentTypeVersion="13" ma:contentTypeDescription="Create a new document." ma:contentTypeScope="" ma:versionID="5dc6c231868f5b7a7a47105eb31231e4">
   <xsd:schema xmlns:xsd="http://www.w3.org/2001/XMLSchema" xmlns:xs="http://www.w3.org/2001/XMLSchema" xmlns:p="http://schemas.microsoft.com/office/2006/metadata/properties" xmlns:ns2="3bae4c56-63a4-4240-8d8c-fa0e1dcdf14c" xmlns:ns3="899522e6-8262-4d5a-b94c-caa1cb4e5922" targetNamespace="http://schemas.microsoft.com/office/2006/metadata/properties" ma:root="true" ma:fieldsID="32244c40e29d347699211eec1bd48e52" ns2:_="" ns3:_="">
     <xsd:import namespace="3bae4c56-63a4-4240-8d8c-fa0e1dcdf14c"/>
@@ -47831,7 +47822,7 @@
 </ct:contentTypeSchema>
 </file>
 
-<file path=customXml/item3.xml><?xml version="1.0" encoding="utf-8"?>
+<file path=customXml/item2.xml><?xml version="1.0" encoding="utf-8"?>
 <p:properties xmlns:p="http://schemas.microsoft.com/office/2006/metadata/properties" xmlns:xsi="http://www.w3.org/2001/XMLSchema-instance" xmlns:pc="http://schemas.microsoft.com/office/infopath/2007/PartnerControls">
   <documentManagement>
     <lcf76f155ced4ddcb4097134ff3c332f xmlns="3bae4c56-63a4-4240-8d8c-fa0e1dcdf14c">
@@ -47842,15 +47833,16 @@
 </p:properties>
 </file>
 
-<file path=customXml/itemProps1.xml><?xml version="1.0" encoding="utf-8"?>
-<ds:datastoreItem xmlns:ds="http://schemas.openxmlformats.org/officeDocument/2006/customXml" ds:itemID="{EFF7E9DD-921E-4844-B376-F49B2A54C95D}">
-  <ds:schemaRefs>
-    <ds:schemaRef ds:uri="http://schemas.microsoft.com/sharepoint/v3/contenttype/forms"/>
-  </ds:schemaRefs>
-</ds:datastoreItem>
+<file path=customXml/item3.xml><?xml version="1.0" encoding="utf-8"?>
+<?mso-contentType ?>
+<FormTemplates xmlns="http://schemas.microsoft.com/sharepoint/v3/contenttype/forms">
+  <Display>DocumentLibraryForm</Display>
+  <Edit>DocumentLibraryForm</Edit>
+  <New>DocumentLibraryForm</New>
+</FormTemplates>
 </file>
 
-<file path=customXml/itemProps2.xml><?xml version="1.0" encoding="utf-8"?>
+<file path=customXml/itemProps1.xml><?xml version="1.0" encoding="utf-8"?>
 <ds:datastoreItem xmlns:ds="http://schemas.openxmlformats.org/officeDocument/2006/customXml" ds:itemID="{2D9B0C1A-6E09-479A-89CE-9BC6F8B0EB40}">
   <ds:schemaRefs>
     <ds:schemaRef ds:uri="http://schemas.microsoft.com/office/2006/metadata/contentType"/>
@@ -47869,7 +47861,7 @@
 </ds:datastoreItem>
 </file>
 
-<file path=customXml/itemProps3.xml><?xml version="1.0" encoding="utf-8"?>
+<file path=customXml/itemProps2.xml><?xml version="1.0" encoding="utf-8"?>
 <ds:datastoreItem xmlns:ds="http://schemas.openxmlformats.org/officeDocument/2006/customXml" ds:itemID="{E077CE76-9E02-4EA5-8E96-3BB24DF18416}">
   <ds:schemaRefs>
     <ds:schemaRef ds:uri="a849db83-1fb2-4efd-b061-6292180d42f7"/>
@@ -47880,4 +47872,12 @@
     <ds:schemaRef ds:uri="899522e6-8262-4d5a-b94c-caa1cb4e5922"/>
   </ds:schemaRefs>
 </ds:datastoreItem>
+</file>
+
+<file path=customXml/itemProps3.xml><?xml version="1.0" encoding="utf-8"?>
+<ds:datastoreItem xmlns:ds="http://schemas.openxmlformats.org/officeDocument/2006/customXml" ds:itemID="{EFF7E9DD-921E-4844-B376-F49B2A54C95D}">
+  <ds:schemaRefs>
+    <ds:schemaRef ds:uri="http://schemas.microsoft.com/sharepoint/v3/contenttype/forms"/>
+  </ds:schemaRefs>
+</ds:datastoreItem>
 </file>